--- a/Patrones de diseño.pptx
+++ b/Patrones de diseño.pptx
@@ -7,8 +7,10 @@
   <p:sldIdLst>
     <p:sldId id="256" r:id="rId2"/>
     <p:sldId id="257" r:id="rId3"/>
-    <p:sldId id="258" r:id="rId4"/>
-    <p:sldId id="259" r:id="rId5"/>
+    <p:sldId id="260" r:id="rId4"/>
+    <p:sldId id="261" r:id="rId5"/>
+    <p:sldId id="258" r:id="rId6"/>
+    <p:sldId id="259" r:id="rId7"/>
   </p:sldIdLst>
   <p:sldSz cx="12192000" cy="6858000"/>
   <p:notesSz cx="6858000" cy="9144000"/>
@@ -107,6 +109,11 @@
       </a:defRPr>
     </a:lvl9pPr>
   </p:defaultTextStyle>
+  <p:extLst>
+    <p:ext uri="{EFAFB233-063F-42B5-8137-9DF3F51BA10A}">
+      <p15:sldGuideLst xmlns:p15="http://schemas.microsoft.com/office/powerpoint/2012/main"/>
+    </p:ext>
+  </p:extLst>
 </p:presentation>
 </file>
 
@@ -513,7 +520,7 @@
           <a:p>
             <a:fld id="{6568DC55-3138-4B94-9240-BBE873F520A3}" type="datetimeFigureOut">
               <a:rPr lang="es-CO" smtClean="0"/>
-              <a:t>1/01/2020</a:t>
+              <a:t>2/01/2020</a:t>
             </a:fld>
             <a:endParaRPr lang="es-CO"/>
           </a:p>
@@ -692,7 +699,7 @@
           <a:p>
             <a:fld id="{6568DC55-3138-4B94-9240-BBE873F520A3}" type="datetimeFigureOut">
               <a:rPr lang="es-CO" smtClean="0"/>
-              <a:t>1/01/2020</a:t>
+              <a:t>2/01/2020</a:t>
             </a:fld>
             <a:endParaRPr lang="es-CO"/>
           </a:p>
@@ -872,7 +879,7 @@
           <a:p>
             <a:fld id="{6568DC55-3138-4B94-9240-BBE873F520A3}" type="datetimeFigureOut">
               <a:rPr lang="es-CO" smtClean="0"/>
-              <a:t>1/01/2020</a:t>
+              <a:t>2/01/2020</a:t>
             </a:fld>
             <a:endParaRPr lang="es-CO"/>
           </a:p>
@@ -1042,7 +1049,7 @@
           <a:p>
             <a:fld id="{6568DC55-3138-4B94-9240-BBE873F520A3}" type="datetimeFigureOut">
               <a:rPr lang="es-CO" smtClean="0"/>
-              <a:t>1/01/2020</a:t>
+              <a:t>2/01/2020</a:t>
             </a:fld>
             <a:endParaRPr lang="es-CO"/>
           </a:p>
@@ -1355,7 +1362,7 @@
           <a:p>
             <a:fld id="{6568DC55-3138-4B94-9240-BBE873F520A3}" type="datetimeFigureOut">
               <a:rPr lang="es-CO" smtClean="0"/>
-              <a:t>1/01/2020</a:t>
+              <a:t>2/01/2020</a:t>
             </a:fld>
             <a:endParaRPr lang="es-CO"/>
           </a:p>
@@ -1741,7 +1748,7 @@
           <a:p>
             <a:fld id="{6568DC55-3138-4B94-9240-BBE873F520A3}" type="datetimeFigureOut">
               <a:rPr lang="es-CO" smtClean="0"/>
-              <a:t>1/01/2020</a:t>
+              <a:t>2/01/2020</a:t>
             </a:fld>
             <a:endParaRPr lang="es-CO"/>
           </a:p>
@@ -2175,7 +2182,7 @@
           <a:p>
             <a:fld id="{6568DC55-3138-4B94-9240-BBE873F520A3}" type="datetimeFigureOut">
               <a:rPr lang="es-CO" smtClean="0"/>
-              <a:t>1/01/2020</a:t>
+              <a:t>2/01/2020</a:t>
             </a:fld>
             <a:endParaRPr lang="es-CO"/>
           </a:p>
@@ -2293,7 +2300,7 @@
           <a:p>
             <a:fld id="{6568DC55-3138-4B94-9240-BBE873F520A3}" type="datetimeFigureOut">
               <a:rPr lang="es-CO" smtClean="0"/>
-              <a:t>1/01/2020</a:t>
+              <a:t>2/01/2020</a:t>
             </a:fld>
             <a:endParaRPr lang="es-CO"/>
           </a:p>
@@ -2388,7 +2395,7 @@
           <a:p>
             <a:fld id="{6568DC55-3138-4B94-9240-BBE873F520A3}" type="datetimeFigureOut">
               <a:rPr lang="es-CO" smtClean="0"/>
-              <a:t>1/01/2020</a:t>
+              <a:t>2/01/2020</a:t>
             </a:fld>
             <a:endParaRPr lang="es-CO"/>
           </a:p>
@@ -2738,7 +2745,7 @@
           <a:p>
             <a:fld id="{6568DC55-3138-4B94-9240-BBE873F520A3}" type="datetimeFigureOut">
               <a:rPr lang="es-CO" smtClean="0"/>
-              <a:t>1/01/2020</a:t>
+              <a:t>2/01/2020</a:t>
             </a:fld>
             <a:endParaRPr lang="es-CO"/>
           </a:p>
@@ -3163,7 +3170,7 @@
           <a:p>
             <a:fld id="{6568DC55-3138-4B94-9240-BBE873F520A3}" type="datetimeFigureOut">
               <a:rPr lang="es-CO" smtClean="0"/>
-              <a:t>1/01/2020</a:t>
+              <a:t>2/01/2020</a:t>
             </a:fld>
             <a:endParaRPr lang="es-CO"/>
           </a:p>
@@ -3444,7 +3451,7 @@
           <a:p>
             <a:fld id="{6568DC55-3138-4B94-9240-BBE873F520A3}" type="datetimeFigureOut">
               <a:rPr lang="es-CO" smtClean="0"/>
-              <a:t>1/01/2020</a:t>
+              <a:t>2/01/2020</a:t>
             </a:fld>
             <a:endParaRPr lang="es-CO"/>
           </a:p>
@@ -4261,6 +4268,283 @@
           <p:cNvPr id="2" name="Título 1">
             <a:extLst>
               <a:ext uri="{FF2B5EF4-FFF2-40B4-BE49-F238E27FC236}">
+                <a16:creationId xmlns:a16="http://schemas.microsoft.com/office/drawing/2014/main" id="{21817E58-66B6-4249-838E-284454B63014}"/>
+              </a:ext>
+            </a:extLst>
+          </p:cNvPr>
+          <p:cNvSpPr>
+            <a:spLocks noGrp="1"/>
+          </p:cNvSpPr>
+          <p:nvPr>
+            <p:ph type="title"/>
+          </p:nvPr>
+        </p:nvSpPr>
+        <p:spPr/>
+        <p:txBody>
+          <a:bodyPr/>
+          <a:lstStyle/>
+          <a:p>
+            <a:pPr algn="ctr"/>
+            <a:r>
+              <a:rPr lang="es-CO" dirty="0"/>
+              <a:t>polimorfismo</a:t>
+            </a:r>
+          </a:p>
+        </p:txBody>
+      </p:sp>
+      <p:pic>
+        <p:nvPicPr>
+          <p:cNvPr id="4" name="Imagen 3">
+            <a:extLst>
+              <a:ext uri="{FF2B5EF4-FFF2-40B4-BE49-F238E27FC236}">
+                <a16:creationId xmlns:a16="http://schemas.microsoft.com/office/drawing/2014/main" id="{FF6E4FBB-9520-476E-8CA2-15E5E08E84FC}"/>
+              </a:ext>
+            </a:extLst>
+          </p:cNvPr>
+          <p:cNvPicPr>
+            <a:picLocks noChangeAspect="1"/>
+          </p:cNvPicPr>
+          <p:nvPr/>
+        </p:nvPicPr>
+        <p:blipFill>
+          <a:blip r:embed="rId2"/>
+          <a:stretch>
+            <a:fillRect/>
+          </a:stretch>
+        </p:blipFill>
+        <p:spPr>
+          <a:xfrm>
+            <a:off x="1069848" y="2657013"/>
+            <a:ext cx="4591050" cy="3124200"/>
+          </a:xfrm>
+          <a:prstGeom prst="rect">
+            <a:avLst/>
+          </a:prstGeom>
+        </p:spPr>
+      </p:pic>
+      <p:pic>
+        <p:nvPicPr>
+          <p:cNvPr id="5" name="Imagen 4">
+            <a:extLst>
+              <a:ext uri="{FF2B5EF4-FFF2-40B4-BE49-F238E27FC236}">
+                <a16:creationId xmlns:a16="http://schemas.microsoft.com/office/drawing/2014/main" id="{11EDD1F0-B6F5-45C9-BCD8-E50D9CBD6857}"/>
+              </a:ext>
+            </a:extLst>
+          </p:cNvPr>
+          <p:cNvPicPr>
+            <a:picLocks noChangeAspect="1"/>
+          </p:cNvPicPr>
+          <p:nvPr/>
+        </p:nvPicPr>
+        <p:blipFill>
+          <a:blip r:embed="rId3"/>
+          <a:stretch>
+            <a:fillRect/>
+          </a:stretch>
+        </p:blipFill>
+        <p:spPr>
+          <a:xfrm>
+            <a:off x="6698298" y="2657014"/>
+            <a:ext cx="4336646" cy="3136158"/>
+          </a:xfrm>
+          <a:prstGeom prst="rect">
+            <a:avLst/>
+          </a:prstGeom>
+        </p:spPr>
+      </p:pic>
+    </p:spTree>
+    <p:extLst>
+      <p:ext uri="{BB962C8B-B14F-4D97-AF65-F5344CB8AC3E}">
+        <p14:creationId xmlns:p14="http://schemas.microsoft.com/office/powerpoint/2010/main" val="1774763064"/>
+      </p:ext>
+    </p:extLst>
+  </p:cSld>
+  <p:clrMapOvr>
+    <a:masterClrMapping/>
+  </p:clrMapOvr>
+</p:sld>
+</file>
+
+<file path=ppt/slides/slide4.xml><?xml version="1.0" encoding="utf-8"?>
+<p:sld xmlns:a="http://schemas.openxmlformats.org/drawingml/2006/main" xmlns:r="http://schemas.openxmlformats.org/officeDocument/2006/relationships" xmlns:p="http://schemas.openxmlformats.org/presentationml/2006/main">
+  <p:cSld>
+    <p:spTree>
+      <p:nvGrpSpPr>
+        <p:cNvPr id="1" name=""/>
+        <p:cNvGrpSpPr/>
+        <p:nvPr/>
+      </p:nvGrpSpPr>
+      <p:grpSpPr>
+        <a:xfrm>
+          <a:off x="0" y="0"/>
+          <a:ext cx="0" cy="0"/>
+          <a:chOff x="0" y="0"/>
+          <a:chExt cx="0" cy="0"/>
+        </a:xfrm>
+      </p:grpSpPr>
+      <p:sp>
+        <p:nvSpPr>
+          <p:cNvPr id="2" name="Título 1">
+            <a:extLst>
+              <a:ext uri="{FF2B5EF4-FFF2-40B4-BE49-F238E27FC236}">
+                <a16:creationId xmlns:a16="http://schemas.microsoft.com/office/drawing/2014/main" id="{6435DAFD-4684-4803-8392-C39C467FE666}"/>
+              </a:ext>
+            </a:extLst>
+          </p:cNvPr>
+          <p:cNvSpPr>
+            <a:spLocks noGrp="1"/>
+          </p:cNvSpPr>
+          <p:nvPr>
+            <p:ph type="title"/>
+          </p:nvPr>
+        </p:nvSpPr>
+        <p:spPr/>
+        <p:txBody>
+          <a:bodyPr/>
+          <a:lstStyle/>
+          <a:p>
+            <a:pPr algn="ctr"/>
+            <a:r>
+              <a:rPr lang="es-CO" dirty="0"/>
+              <a:t>Partes importantes</a:t>
+            </a:r>
+          </a:p>
+        </p:txBody>
+      </p:sp>
+      <p:sp>
+        <p:nvSpPr>
+          <p:cNvPr id="3" name="Marcador de contenido 2">
+            <a:extLst>
+              <a:ext uri="{FF2B5EF4-FFF2-40B4-BE49-F238E27FC236}">
+                <a16:creationId xmlns:a16="http://schemas.microsoft.com/office/drawing/2014/main" id="{33E7414B-F5F0-4203-9B69-55052D2B051F}"/>
+              </a:ext>
+            </a:extLst>
+          </p:cNvPr>
+          <p:cNvSpPr>
+            <a:spLocks noGrp="1"/>
+          </p:cNvSpPr>
+          <p:nvPr>
+            <p:ph idx="1"/>
+          </p:nvPr>
+        </p:nvSpPr>
+        <p:spPr>
+          <a:xfrm>
+            <a:off x="1069848" y="1766656"/>
+            <a:ext cx="10058400" cy="4731798"/>
+          </a:xfrm>
+        </p:spPr>
+        <p:txBody>
+          <a:bodyPr>
+            <a:normAutofit/>
+          </a:bodyPr>
+          <a:lstStyle/>
+          <a:p>
+            <a:r>
+              <a:rPr lang="es-CO" dirty="0"/>
+              <a:t>Contexto</a:t>
+            </a:r>
+          </a:p>
+          <a:p>
+            <a:endParaRPr lang="es-CO" dirty="0"/>
+          </a:p>
+          <a:p>
+            <a:pPr lvl="1"/>
+            <a:r>
+              <a:rPr lang="es-CO" dirty="0"/>
+              <a:t>Una clase que contiene la información de contexto sobre la cual trabajaran los</a:t>
+            </a:r>
+          </a:p>
+          <a:p>
+            <a:pPr marL="274320" lvl="1" indent="0">
+              <a:buNone/>
+            </a:pPr>
+            <a:r>
+              <a:rPr lang="es-CO" dirty="0"/>
+              <a:t> algoritmos.</a:t>
+            </a:r>
+          </a:p>
+          <a:p>
+            <a:pPr marL="274320" lvl="1" indent="0">
+              <a:buNone/>
+            </a:pPr>
+            <a:endParaRPr lang="es-CO" dirty="0"/>
+          </a:p>
+          <a:p>
+            <a:r>
+              <a:rPr lang="es-CO" dirty="0" err="1"/>
+              <a:t>Iestrategia</a:t>
+            </a:r>
+            <a:endParaRPr lang="es-CO" dirty="0"/>
+          </a:p>
+          <a:p>
+            <a:endParaRPr lang="es-CO" dirty="0"/>
+          </a:p>
+          <a:p>
+            <a:pPr lvl="1"/>
+            <a:r>
+              <a:rPr lang="es-CO" dirty="0"/>
+              <a:t>Define la interfaz común a todas las estrategias(algoritmos).</a:t>
+            </a:r>
+          </a:p>
+          <a:p>
+            <a:pPr marL="274320" lvl="1" indent="0">
+              <a:buNone/>
+            </a:pPr>
+            <a:endParaRPr lang="es-CO" dirty="0"/>
+          </a:p>
+          <a:p>
+            <a:r>
+              <a:rPr lang="es-CO" dirty="0"/>
+              <a:t>Estrategia N</a:t>
+            </a:r>
+          </a:p>
+          <a:p>
+            <a:endParaRPr lang="es-CO" dirty="0"/>
+          </a:p>
+          <a:p>
+            <a:pPr lvl="1"/>
+            <a:r>
+              <a:rPr lang="es-CO" dirty="0"/>
+              <a:t>Implementación de un algoritmo en particular.</a:t>
+            </a:r>
+          </a:p>
+        </p:txBody>
+      </p:sp>
+    </p:spTree>
+    <p:extLst>
+      <p:ext uri="{BB962C8B-B14F-4D97-AF65-F5344CB8AC3E}">
+        <p14:creationId xmlns:p14="http://schemas.microsoft.com/office/powerpoint/2010/main" val="3027160236"/>
+      </p:ext>
+    </p:extLst>
+  </p:cSld>
+  <p:clrMapOvr>
+    <a:masterClrMapping/>
+  </p:clrMapOvr>
+</p:sld>
+</file>
+
+<file path=ppt/slides/slide5.xml><?xml version="1.0" encoding="utf-8"?>
+<p:sld xmlns:a="http://schemas.openxmlformats.org/drawingml/2006/main" xmlns:r="http://schemas.openxmlformats.org/officeDocument/2006/relationships" xmlns:p="http://schemas.openxmlformats.org/presentationml/2006/main">
+  <p:cSld>
+    <p:spTree>
+      <p:nvGrpSpPr>
+        <p:cNvPr id="1" name=""/>
+        <p:cNvGrpSpPr/>
+        <p:nvPr/>
+      </p:nvGrpSpPr>
+      <p:grpSpPr>
+        <a:xfrm>
+          <a:off x="0" y="0"/>
+          <a:ext cx="0" cy="0"/>
+          <a:chOff x="0" y="0"/>
+          <a:chExt cx="0" cy="0"/>
+        </a:xfrm>
+      </p:grpSpPr>
+      <p:sp>
+        <p:nvSpPr>
+          <p:cNvPr id="2" name="Título 1">
+            <a:extLst>
+              <a:ext uri="{FF2B5EF4-FFF2-40B4-BE49-F238E27FC236}">
                 <a16:creationId xmlns:a16="http://schemas.microsoft.com/office/drawing/2014/main" id="{6D536D9D-84CE-414D-94B2-7529BC333458}"/>
               </a:ext>
             </a:extLst>
@@ -4392,7 +4676,7 @@
 </p:sld>
 </file>
 
-<file path=ppt/slides/slide4.xml><?xml version="1.0" encoding="utf-8"?>
+<file path=ppt/slides/slide6.xml><?xml version="1.0" encoding="utf-8"?>
 <p:sld xmlns:a="http://schemas.openxmlformats.org/drawingml/2006/main" xmlns:r="http://schemas.openxmlformats.org/officeDocument/2006/relationships" xmlns:p="http://schemas.openxmlformats.org/presentationml/2006/main">
   <p:cSld>
     <p:spTree>
@@ -4468,13 +4752,25 @@
             <a:endParaRPr lang="es-CO" dirty="0"/>
           </a:p>
           <a:p>
-            <a:endParaRPr lang="es-CO" dirty="0"/>
-          </a:p>
-          <a:p>
             <a:r>
               <a:rPr lang="es-CO" dirty="0"/>
               <a:t>un algoritmo utiliza datos que los clientes no deberían conocer. </a:t>
             </a:r>
+          </a:p>
+          <a:p>
+            <a:endParaRPr lang="es-CO" dirty="0"/>
+          </a:p>
+          <a:p>
+            <a:r>
+              <a:rPr lang="es-CO" dirty="0"/>
+              <a:t>Si tenemos un programa que provee una funcionalidad, pero existen varias formas de llevarlas a cabo, se puede usar el polimorfismo.</a:t>
+            </a:r>
+          </a:p>
+          <a:p>
+            <a:endParaRPr lang="es-CO" dirty="0"/>
+          </a:p>
+          <a:p>
+            <a:endParaRPr lang="es-CO" dirty="0"/>
           </a:p>
         </p:txBody>
       </p:sp>
